--- a/Anki_Sentence/프로덕트 디자인.pptx
+++ b/Anki_Sentence/프로덕트 디자인.pptx
@@ -7,6 +7,8 @@
   <p:sldIdLst>
     <p:sldId id="256" r:id="rId2"/>
     <p:sldId id="257" r:id="rId3"/>
+    <p:sldId id="259" r:id="rId4"/>
+    <p:sldId id="258" r:id="rId5"/>
   </p:sldIdLst>
   <p:sldSz cx="12192000" cy="6858000"/>
   <p:notesSz cx="6858000" cy="9144000"/>
@@ -105,6 +107,11 @@
       </a:defRPr>
     </a:lvl9pPr>
   </p:defaultTextStyle>
+  <p:extLst>
+    <p:ext uri="{EFAFB233-063F-42B5-8137-9DF3F51BA10A}">
+      <p15:sldGuideLst xmlns:p15="http://schemas.microsoft.com/office/powerpoint/2012/main"/>
+    </p:ext>
+  </p:extLst>
 </p:presentation>
 </file>
 
@@ -257,7 +264,7 @@
           <a:p>
             <a:fld id="{A8388942-568C-491C-9D70-999B6074BE9F}" type="datetimeFigureOut">
               <a:rPr lang="ko-KR" altLang="en-US" smtClean="0"/>
-              <a:t>2022-01-21</a:t>
+              <a:t>2022-02-03</a:t>
             </a:fld>
             <a:endParaRPr lang="ko-KR" altLang="en-US"/>
           </a:p>
@@ -457,7 +464,7 @@
           <a:p>
             <a:fld id="{A8388942-568C-491C-9D70-999B6074BE9F}" type="datetimeFigureOut">
               <a:rPr lang="ko-KR" altLang="en-US" smtClean="0"/>
-              <a:t>2022-01-21</a:t>
+              <a:t>2022-02-03</a:t>
             </a:fld>
             <a:endParaRPr lang="ko-KR" altLang="en-US"/>
           </a:p>
@@ -667,7 +674,7 @@
           <a:p>
             <a:fld id="{A8388942-568C-491C-9D70-999B6074BE9F}" type="datetimeFigureOut">
               <a:rPr lang="ko-KR" altLang="en-US" smtClean="0"/>
-              <a:t>2022-01-21</a:t>
+              <a:t>2022-02-03</a:t>
             </a:fld>
             <a:endParaRPr lang="ko-KR" altLang="en-US"/>
           </a:p>
@@ -867,7 +874,7 @@
           <a:p>
             <a:fld id="{A8388942-568C-491C-9D70-999B6074BE9F}" type="datetimeFigureOut">
               <a:rPr lang="ko-KR" altLang="en-US" smtClean="0"/>
-              <a:t>2022-01-21</a:t>
+              <a:t>2022-02-03</a:t>
             </a:fld>
             <a:endParaRPr lang="ko-KR" altLang="en-US"/>
           </a:p>
@@ -1143,7 +1150,7 @@
           <a:p>
             <a:fld id="{A8388942-568C-491C-9D70-999B6074BE9F}" type="datetimeFigureOut">
               <a:rPr lang="ko-KR" altLang="en-US" smtClean="0"/>
-              <a:t>2022-01-21</a:t>
+              <a:t>2022-02-03</a:t>
             </a:fld>
             <a:endParaRPr lang="ko-KR" altLang="en-US"/>
           </a:p>
@@ -1411,7 +1418,7 @@
           <a:p>
             <a:fld id="{A8388942-568C-491C-9D70-999B6074BE9F}" type="datetimeFigureOut">
               <a:rPr lang="ko-KR" altLang="en-US" smtClean="0"/>
-              <a:t>2022-01-21</a:t>
+              <a:t>2022-02-03</a:t>
             </a:fld>
             <a:endParaRPr lang="ko-KR" altLang="en-US"/>
           </a:p>
@@ -1826,7 +1833,7 @@
           <a:p>
             <a:fld id="{A8388942-568C-491C-9D70-999B6074BE9F}" type="datetimeFigureOut">
               <a:rPr lang="ko-KR" altLang="en-US" smtClean="0"/>
-              <a:t>2022-01-21</a:t>
+              <a:t>2022-02-03</a:t>
             </a:fld>
             <a:endParaRPr lang="ko-KR" altLang="en-US"/>
           </a:p>
@@ -1968,7 +1975,7 @@
           <a:p>
             <a:fld id="{A8388942-568C-491C-9D70-999B6074BE9F}" type="datetimeFigureOut">
               <a:rPr lang="ko-KR" altLang="en-US" smtClean="0"/>
-              <a:t>2022-01-21</a:t>
+              <a:t>2022-02-03</a:t>
             </a:fld>
             <a:endParaRPr lang="ko-KR" altLang="en-US"/>
           </a:p>
@@ -2081,7 +2088,7 @@
           <a:p>
             <a:fld id="{A8388942-568C-491C-9D70-999B6074BE9F}" type="datetimeFigureOut">
               <a:rPr lang="ko-KR" altLang="en-US" smtClean="0"/>
-              <a:t>2022-01-21</a:t>
+              <a:t>2022-02-03</a:t>
             </a:fld>
             <a:endParaRPr lang="ko-KR" altLang="en-US"/>
           </a:p>
@@ -2394,7 +2401,7 @@
           <a:p>
             <a:fld id="{A8388942-568C-491C-9D70-999B6074BE9F}" type="datetimeFigureOut">
               <a:rPr lang="ko-KR" altLang="en-US" smtClean="0"/>
-              <a:t>2022-01-21</a:t>
+              <a:t>2022-02-03</a:t>
             </a:fld>
             <a:endParaRPr lang="ko-KR" altLang="en-US"/>
           </a:p>
@@ -2683,7 +2690,7 @@
           <a:p>
             <a:fld id="{A8388942-568C-491C-9D70-999B6074BE9F}" type="datetimeFigureOut">
               <a:rPr lang="ko-KR" altLang="en-US" smtClean="0"/>
-              <a:t>2022-01-21</a:t>
+              <a:t>2022-02-03</a:t>
             </a:fld>
             <a:endParaRPr lang="ko-KR" altLang="en-US"/>
           </a:p>
@@ -2926,7 +2933,7 @@
           <a:p>
             <a:fld id="{A8388942-568C-491C-9D70-999B6074BE9F}" type="datetimeFigureOut">
               <a:rPr lang="ko-KR" altLang="en-US" smtClean="0"/>
-              <a:t>2022-01-21</a:t>
+              <a:t>2022-02-03</a:t>
             </a:fld>
             <a:endParaRPr lang="ko-KR" altLang="en-US"/>
           </a:p>
@@ -3357,7 +3364,7 @@
         </p:nvGrpSpPr>
         <p:grpSpPr>
           <a:xfrm>
-            <a:off x="561143" y="801235"/>
+            <a:off x="2244029" y="898512"/>
             <a:ext cx="8167723" cy="4730130"/>
             <a:chOff x="2801423" y="3094855"/>
             <a:chExt cx="8167723" cy="4730130"/>
@@ -4314,10 +4321,2005 @@
           <a:chExt cx="0" cy="0"/>
         </a:xfrm>
       </p:grpSpPr>
+      <p:grpSp>
+        <p:nvGrpSpPr>
+          <p:cNvPr id="2" name="Group 1">
+            <a:extLst>
+              <a:ext uri="{FF2B5EF4-FFF2-40B4-BE49-F238E27FC236}">
+                <a16:creationId xmlns:a16="http://schemas.microsoft.com/office/drawing/2014/main" id="{350A6324-DD5E-4B2C-ADA8-AD9D79EACFE2}"/>
+              </a:ext>
+            </a:extLst>
+          </p:cNvPr>
+          <p:cNvGrpSpPr/>
+          <p:nvPr/>
+        </p:nvGrpSpPr>
+        <p:grpSpPr>
+          <a:xfrm>
+            <a:off x="250939" y="217525"/>
+            <a:ext cx="7532270" cy="4373880"/>
+            <a:chOff x="2801423" y="3094855"/>
+            <a:chExt cx="8167723" cy="4730130"/>
+          </a:xfrm>
+        </p:grpSpPr>
+        <p:sp>
+          <p:nvSpPr>
+            <p:cNvPr id="3" name="Rectangle 2">
+              <a:extLst>
+                <a:ext uri="{FF2B5EF4-FFF2-40B4-BE49-F238E27FC236}">
+                  <a16:creationId xmlns:a16="http://schemas.microsoft.com/office/drawing/2014/main" id="{92F6E39B-CB77-4A7D-BCA7-44F2C02DE218}"/>
+                </a:ext>
+              </a:extLst>
+            </p:cNvPr>
+            <p:cNvSpPr/>
+            <p:nvPr/>
+          </p:nvSpPr>
+          <p:spPr>
+            <a:xfrm>
+              <a:off x="2801423" y="3094855"/>
+              <a:ext cx="8167723" cy="4730130"/>
+            </a:xfrm>
+            <a:prstGeom prst="rect">
+              <a:avLst/>
+            </a:prstGeom>
+            <a:solidFill>
+              <a:srgbClr val="F0F0F0"/>
+            </a:solidFill>
+            <a:ln>
+              <a:solidFill>
+                <a:schemeClr val="tx1"/>
+              </a:solidFill>
+            </a:ln>
+          </p:spPr>
+          <p:style>
+            <a:lnRef idx="2">
+              <a:schemeClr val="accent1">
+                <a:shade val="50000"/>
+              </a:schemeClr>
+            </a:lnRef>
+            <a:fillRef idx="1">
+              <a:schemeClr val="accent1"/>
+            </a:fillRef>
+            <a:effectRef idx="0">
+              <a:schemeClr val="accent1"/>
+            </a:effectRef>
+            <a:fontRef idx="minor">
+              <a:schemeClr val="lt1"/>
+            </a:fontRef>
+          </p:style>
+          <p:txBody>
+            <a:bodyPr rtlCol="0" anchor="ctr"/>
+            <a:lstStyle/>
+            <a:p>
+              <a:pPr algn="ctr"/>
+              <a:endParaRPr lang="ko-KR" altLang="en-US" sz="1600" dirty="0"/>
+            </a:p>
+          </p:txBody>
+        </p:sp>
+        <p:sp>
+          <p:nvSpPr>
+            <p:cNvPr id="4" name="Rectangle 3">
+              <a:extLst>
+                <a:ext uri="{FF2B5EF4-FFF2-40B4-BE49-F238E27FC236}">
+                  <a16:creationId xmlns:a16="http://schemas.microsoft.com/office/drawing/2014/main" id="{596801CB-A475-4DB5-816C-FA8A3D32E9E4}"/>
+                </a:ext>
+              </a:extLst>
+            </p:cNvPr>
+            <p:cNvSpPr/>
+            <p:nvPr/>
+          </p:nvSpPr>
+          <p:spPr>
+            <a:xfrm>
+              <a:off x="3060800" y="3177540"/>
+              <a:ext cx="3257535" cy="312420"/>
+            </a:xfrm>
+            <a:prstGeom prst="rect">
+              <a:avLst/>
+            </a:prstGeom>
+            <a:noFill/>
+            <a:ln>
+              <a:solidFill>
+                <a:schemeClr val="tx1"/>
+              </a:solidFill>
+            </a:ln>
+          </p:spPr>
+          <p:style>
+            <a:lnRef idx="2">
+              <a:schemeClr val="accent1">
+                <a:shade val="50000"/>
+              </a:schemeClr>
+            </a:lnRef>
+            <a:fillRef idx="1">
+              <a:schemeClr val="accent1"/>
+            </a:fillRef>
+            <a:effectRef idx="0">
+              <a:schemeClr val="accent1"/>
+            </a:effectRef>
+            <a:fontRef idx="minor">
+              <a:schemeClr val="lt1"/>
+            </a:fontRef>
+          </p:style>
+          <p:txBody>
+            <a:bodyPr rtlCol="0" anchor="ctr"/>
+            <a:lstStyle/>
+            <a:p>
+              <a:pPr algn="ctr"/>
+              <a:r>
+                <a:rPr lang="ko-KR" altLang="en-US" sz="1600" dirty="0">
+                  <a:solidFill>
+                    <a:schemeClr val="tx1"/>
+                  </a:solidFill>
+                  <a:latin typeface="+mj-ea"/>
+                  <a:ea typeface="+mj-ea"/>
+                </a:rPr>
+                <a:t>문장 검색기 </a:t>
+              </a:r>
+              <a:r>
+                <a:rPr lang="en-US" altLang="ko-KR" sz="1600" dirty="0">
+                  <a:solidFill>
+                    <a:schemeClr val="tx1"/>
+                  </a:solidFill>
+                </a:rPr>
+                <a:t>Sentence Finder </a:t>
+              </a:r>
+              <a:endParaRPr lang="ko-KR" altLang="en-US" sz="1600" dirty="0">
+                <a:solidFill>
+                  <a:schemeClr val="tx1"/>
+                </a:solidFill>
+              </a:endParaRPr>
+            </a:p>
+          </p:txBody>
+        </p:sp>
+        <p:sp>
+          <p:nvSpPr>
+            <p:cNvPr id="5" name="Rectangle 4">
+              <a:extLst>
+                <a:ext uri="{FF2B5EF4-FFF2-40B4-BE49-F238E27FC236}">
+                  <a16:creationId xmlns:a16="http://schemas.microsoft.com/office/drawing/2014/main" id="{2E7830BD-6AB3-43FE-A970-0101CCA8AE3E}"/>
+                </a:ext>
+              </a:extLst>
+            </p:cNvPr>
+            <p:cNvSpPr/>
+            <p:nvPr/>
+          </p:nvSpPr>
+          <p:spPr>
+            <a:xfrm>
+              <a:off x="3060799" y="3778385"/>
+              <a:ext cx="5229761" cy="312420"/>
+            </a:xfrm>
+            <a:prstGeom prst="rect">
+              <a:avLst/>
+            </a:prstGeom>
+            <a:noFill/>
+            <a:ln>
+              <a:solidFill>
+                <a:schemeClr val="tx1"/>
+              </a:solidFill>
+            </a:ln>
+          </p:spPr>
+          <p:style>
+            <a:lnRef idx="2">
+              <a:schemeClr val="accent1">
+                <a:shade val="50000"/>
+              </a:schemeClr>
+            </a:lnRef>
+            <a:fillRef idx="1">
+              <a:schemeClr val="accent1"/>
+            </a:fillRef>
+            <a:effectRef idx="0">
+              <a:schemeClr val="accent1"/>
+            </a:effectRef>
+            <a:fontRef idx="minor">
+              <a:schemeClr val="lt1"/>
+            </a:fontRef>
+          </p:style>
+          <p:txBody>
+            <a:bodyPr rtlCol="0" anchor="ctr"/>
+            <a:lstStyle/>
+            <a:p>
+              <a:r>
+                <a:rPr lang="ko-KR" altLang="en-US" sz="1600" dirty="0">
+                  <a:solidFill>
+                    <a:schemeClr val="tx1"/>
+                  </a:solidFill>
+                </a:rPr>
+                <a:t>단어 검색</a:t>
+              </a:r>
+              <a:r>
+                <a:rPr lang="en-US" altLang="ko-KR" sz="1600" dirty="0">
+                  <a:solidFill>
+                    <a:schemeClr val="tx1"/>
+                  </a:solidFill>
+                </a:rPr>
+                <a:t>(</a:t>
+              </a:r>
+              <a:r>
+                <a:rPr lang="ko-KR" altLang="en-US" sz="1600" dirty="0">
+                  <a:solidFill>
+                    <a:schemeClr val="tx1"/>
+                  </a:solidFill>
+                </a:rPr>
+                <a:t>영어</a:t>
+              </a:r>
+              <a:r>
+                <a:rPr lang="en-US" altLang="ko-KR" sz="1600" dirty="0">
+                  <a:solidFill>
+                    <a:schemeClr val="tx1"/>
+                  </a:solidFill>
+                </a:rPr>
+                <a:t>, </a:t>
+              </a:r>
+              <a:r>
+                <a:rPr lang="ko-KR" altLang="en-US" sz="1600" dirty="0">
+                  <a:solidFill>
+                    <a:schemeClr val="tx1"/>
+                  </a:solidFill>
+                </a:rPr>
+                <a:t>한국어 검색 가능</a:t>
+              </a:r>
+              <a:r>
+                <a:rPr lang="en-US" altLang="ko-KR" sz="1600" dirty="0">
+                  <a:solidFill>
+                    <a:schemeClr val="tx1"/>
+                  </a:solidFill>
+                </a:rPr>
+                <a:t>)</a:t>
+              </a:r>
+              <a:endParaRPr lang="ko-KR" altLang="en-US" sz="1600" dirty="0">
+                <a:solidFill>
+                  <a:schemeClr val="tx1"/>
+                </a:solidFill>
+              </a:endParaRPr>
+            </a:p>
+          </p:txBody>
+        </p:sp>
+        <p:sp>
+          <p:nvSpPr>
+            <p:cNvPr id="6" name="Rectangle 5">
+              <a:extLst>
+                <a:ext uri="{FF2B5EF4-FFF2-40B4-BE49-F238E27FC236}">
+                  <a16:creationId xmlns:a16="http://schemas.microsoft.com/office/drawing/2014/main" id="{2AE09A0A-76A0-4723-9523-31D73BA048B5}"/>
+                </a:ext>
+              </a:extLst>
+            </p:cNvPr>
+            <p:cNvSpPr/>
+            <p:nvPr/>
+          </p:nvSpPr>
+          <p:spPr>
+            <a:xfrm>
+              <a:off x="3060799" y="4330105"/>
+              <a:ext cx="5229761" cy="2640140"/>
+            </a:xfrm>
+            <a:prstGeom prst="rect">
+              <a:avLst/>
+            </a:prstGeom>
+            <a:noFill/>
+            <a:ln>
+              <a:solidFill>
+                <a:schemeClr val="tx1"/>
+              </a:solidFill>
+            </a:ln>
+          </p:spPr>
+          <p:style>
+            <a:lnRef idx="2">
+              <a:schemeClr val="accent1">
+                <a:shade val="50000"/>
+              </a:schemeClr>
+            </a:lnRef>
+            <a:fillRef idx="1">
+              <a:schemeClr val="accent1"/>
+            </a:fillRef>
+            <a:effectRef idx="0">
+              <a:schemeClr val="accent1"/>
+            </a:effectRef>
+            <a:fontRef idx="minor">
+              <a:schemeClr val="lt1"/>
+            </a:fontRef>
+          </p:style>
+          <p:txBody>
+            <a:bodyPr rtlCol="0" anchor="ctr"/>
+            <a:lstStyle/>
+            <a:p>
+              <a:r>
+                <a:rPr lang="ko-KR" altLang="en-US" sz="1600" dirty="0">
+                  <a:solidFill>
+                    <a:schemeClr val="tx1"/>
+                  </a:solidFill>
+                </a:rPr>
+                <a:t>문장 추출</a:t>
+              </a:r>
+              <a:r>
+                <a:rPr lang="en-US" altLang="ko-KR" sz="1600" dirty="0">
+                  <a:solidFill>
+                    <a:schemeClr val="tx1"/>
+                  </a:solidFill>
+                </a:rPr>
+                <a:t>(</a:t>
+              </a:r>
+              <a:r>
+                <a:rPr lang="ko-KR" altLang="en-US" sz="1600" dirty="0">
+                  <a:solidFill>
+                    <a:schemeClr val="tx1"/>
+                  </a:solidFill>
+                </a:rPr>
+                <a:t>문장 더블클릭 하면 우측 체크박스 </a:t>
+              </a:r>
+              <a:r>
+                <a:rPr lang="ko-KR" altLang="en-US" sz="1600" dirty="0" err="1">
+                  <a:solidFill>
+                    <a:schemeClr val="tx1"/>
+                  </a:solidFill>
+                </a:rPr>
+                <a:t>채워짐</a:t>
+              </a:r>
+              <a:r>
+                <a:rPr lang="en-US" altLang="ko-KR" sz="1600" dirty="0">
+                  <a:solidFill>
+                    <a:schemeClr val="tx1"/>
+                  </a:solidFill>
+                </a:rPr>
+                <a:t>)</a:t>
+              </a:r>
+            </a:p>
+            <a:p>
+              <a:endParaRPr lang="en-US" altLang="ko-KR" sz="1600" dirty="0">
+                <a:solidFill>
+                  <a:schemeClr val="tx1"/>
+                </a:solidFill>
+              </a:endParaRPr>
+            </a:p>
+            <a:p>
+              <a:r>
+                <a:rPr lang="en-US" altLang="ko-KR" sz="1600" dirty="0">
+                  <a:solidFill>
+                    <a:schemeClr val="tx1"/>
+                  </a:solidFill>
+                </a:rPr>
+                <a:t>1. ~~~</a:t>
+              </a:r>
+            </a:p>
+            <a:p>
+              <a:r>
+                <a:rPr lang="en-US" altLang="ko-KR" sz="1600" dirty="0">
+                  <a:solidFill>
+                    <a:schemeClr val="tx1"/>
+                  </a:solidFill>
+                </a:rPr>
+                <a:t>2. ~~~</a:t>
+              </a:r>
+            </a:p>
+            <a:p>
+              <a:r>
+                <a:rPr lang="en-US" altLang="ko-KR" sz="1600" dirty="0">
+                  <a:solidFill>
+                    <a:schemeClr val="tx1"/>
+                  </a:solidFill>
+                </a:rPr>
+                <a:t>3. ~~~</a:t>
+              </a:r>
+              <a:endParaRPr lang="ko-KR" altLang="en-US" sz="1600" dirty="0">
+                <a:solidFill>
+                  <a:schemeClr val="tx1"/>
+                </a:solidFill>
+              </a:endParaRPr>
+            </a:p>
+          </p:txBody>
+        </p:sp>
+        <p:sp>
+          <p:nvSpPr>
+            <p:cNvPr id="7" name="Rectangle 6">
+              <a:extLst>
+                <a:ext uri="{FF2B5EF4-FFF2-40B4-BE49-F238E27FC236}">
+                  <a16:creationId xmlns:a16="http://schemas.microsoft.com/office/drawing/2014/main" id="{DB73C9E0-4F2F-4DEA-8FAF-84253DAFFD3A}"/>
+                </a:ext>
+              </a:extLst>
+            </p:cNvPr>
+            <p:cNvSpPr/>
+            <p:nvPr/>
+          </p:nvSpPr>
+          <p:spPr>
+            <a:xfrm>
+              <a:off x="3060799" y="7192035"/>
+              <a:ext cx="5229761" cy="312420"/>
+            </a:xfrm>
+            <a:prstGeom prst="rect">
+              <a:avLst/>
+            </a:prstGeom>
+            <a:noFill/>
+            <a:ln>
+              <a:solidFill>
+                <a:schemeClr val="tx1"/>
+              </a:solidFill>
+            </a:ln>
+          </p:spPr>
+          <p:style>
+            <a:lnRef idx="2">
+              <a:schemeClr val="accent1">
+                <a:shade val="50000"/>
+              </a:schemeClr>
+            </a:lnRef>
+            <a:fillRef idx="1">
+              <a:schemeClr val="accent1"/>
+            </a:fillRef>
+            <a:effectRef idx="0">
+              <a:schemeClr val="accent1"/>
+            </a:effectRef>
+            <a:fontRef idx="minor">
+              <a:schemeClr val="lt1"/>
+            </a:fontRef>
+          </p:style>
+          <p:txBody>
+            <a:bodyPr rtlCol="0" anchor="ctr"/>
+            <a:lstStyle/>
+            <a:p>
+              <a:r>
+                <a:rPr lang="ko-KR" altLang="en-US" sz="1600" dirty="0">
+                  <a:solidFill>
+                    <a:schemeClr val="tx1"/>
+                  </a:solidFill>
+                </a:rPr>
+                <a:t>문장 선택</a:t>
+              </a:r>
+              <a:r>
+                <a:rPr lang="en-US" altLang="ko-KR" sz="1600" dirty="0">
+                  <a:solidFill>
+                    <a:schemeClr val="tx1"/>
+                  </a:solidFill>
+                </a:rPr>
+                <a:t>(</a:t>
+              </a:r>
+              <a:r>
+                <a:rPr lang="ko-KR" altLang="en-US" sz="1600" dirty="0">
+                  <a:solidFill>
+                    <a:schemeClr val="tx1"/>
+                  </a:solidFill>
+                </a:rPr>
+                <a:t>번호를 넣어도 되고 </a:t>
+              </a:r>
+              <a:r>
+                <a:rPr lang="ko-KR" altLang="en-US" sz="1600" dirty="0" err="1">
+                  <a:solidFill>
+                    <a:schemeClr val="tx1"/>
+                  </a:solidFill>
+                </a:rPr>
+                <a:t>더블클릭해도</a:t>
+              </a:r>
+              <a:r>
+                <a:rPr lang="ko-KR" altLang="en-US" sz="1600" dirty="0">
+                  <a:solidFill>
+                    <a:schemeClr val="tx1"/>
+                  </a:solidFill>
+                </a:rPr>
+                <a:t> 가능</a:t>
+              </a:r>
+              <a:r>
+                <a:rPr lang="en-US" altLang="ko-KR" sz="1600" dirty="0">
+                  <a:solidFill>
+                    <a:schemeClr val="tx1"/>
+                  </a:solidFill>
+                </a:rPr>
+                <a:t>)</a:t>
+              </a:r>
+              <a:endParaRPr lang="ko-KR" altLang="en-US" sz="1600" dirty="0">
+                <a:solidFill>
+                  <a:schemeClr val="tx1"/>
+                </a:solidFill>
+              </a:endParaRPr>
+            </a:p>
+          </p:txBody>
+        </p:sp>
+        <p:sp>
+          <p:nvSpPr>
+            <p:cNvPr id="8" name="Rectangle 7">
+              <a:extLst>
+                <a:ext uri="{FF2B5EF4-FFF2-40B4-BE49-F238E27FC236}">
+                  <a16:creationId xmlns:a16="http://schemas.microsoft.com/office/drawing/2014/main" id="{C6CB41F9-1D7B-42C9-8BB6-6C493B121457}"/>
+                </a:ext>
+              </a:extLst>
+            </p:cNvPr>
+            <p:cNvSpPr/>
+            <p:nvPr/>
+          </p:nvSpPr>
+          <p:spPr>
+            <a:xfrm>
+              <a:off x="8722459" y="3890598"/>
+              <a:ext cx="1838859" cy="566120"/>
+            </a:xfrm>
+            <a:prstGeom prst="rect">
+              <a:avLst/>
+            </a:prstGeom>
+            <a:noFill/>
+            <a:ln>
+              <a:solidFill>
+                <a:schemeClr val="tx1"/>
+              </a:solidFill>
+            </a:ln>
+          </p:spPr>
+          <p:style>
+            <a:lnRef idx="2">
+              <a:schemeClr val="accent1">
+                <a:shade val="50000"/>
+              </a:schemeClr>
+            </a:lnRef>
+            <a:fillRef idx="1">
+              <a:schemeClr val="accent1"/>
+            </a:fillRef>
+            <a:effectRef idx="0">
+              <a:schemeClr val="accent1"/>
+            </a:effectRef>
+            <a:fontRef idx="minor">
+              <a:schemeClr val="lt1"/>
+            </a:fontRef>
+          </p:style>
+          <p:txBody>
+            <a:bodyPr rtlCol="0" anchor="ctr"/>
+            <a:lstStyle/>
+            <a:p>
+              <a:r>
+                <a:rPr lang="ko-KR" altLang="en-US" sz="1100" dirty="0" err="1">
+                  <a:solidFill>
+                    <a:schemeClr val="tx1"/>
+                  </a:solidFill>
+                </a:rPr>
+                <a:t>영문장</a:t>
+              </a:r>
+              <a:r>
+                <a:rPr lang="ko-KR" altLang="en-US" sz="1100" dirty="0">
+                  <a:solidFill>
+                    <a:schemeClr val="tx1"/>
+                  </a:solidFill>
+                </a:rPr>
+                <a:t> 사이트</a:t>
+              </a:r>
+              <a:endParaRPr lang="en-US" altLang="ko-KR" sz="1100" dirty="0">
+                <a:solidFill>
+                  <a:schemeClr val="tx1"/>
+                </a:solidFill>
+              </a:endParaRPr>
+            </a:p>
+            <a:p>
+              <a:r>
+                <a:rPr lang="en-US" altLang="ko-KR" sz="1100" dirty="0">
+                  <a:solidFill>
+                    <a:schemeClr val="tx1"/>
+                  </a:solidFill>
+                </a:rPr>
+                <a:t>Longman O</a:t>
+              </a:r>
+            </a:p>
+            <a:p>
+              <a:r>
+                <a:rPr lang="en-US" altLang="ko-KR" sz="1100" dirty="0">
+                  <a:solidFill>
+                    <a:schemeClr val="tx1"/>
+                  </a:solidFill>
+                </a:rPr>
+                <a:t>Cambridge O</a:t>
+              </a:r>
+            </a:p>
+          </p:txBody>
+        </p:sp>
+        <p:sp>
+          <p:nvSpPr>
+            <p:cNvPr id="9" name="Rectangle 8">
+              <a:extLst>
+                <a:ext uri="{FF2B5EF4-FFF2-40B4-BE49-F238E27FC236}">
+                  <a16:creationId xmlns:a16="http://schemas.microsoft.com/office/drawing/2014/main" id="{70EC0DC1-E24F-4B26-BAEF-5F33D1970F8C}"/>
+                </a:ext>
+              </a:extLst>
+            </p:cNvPr>
+            <p:cNvSpPr/>
+            <p:nvPr/>
+          </p:nvSpPr>
+          <p:spPr>
+            <a:xfrm>
+              <a:off x="8722460" y="4649009"/>
+              <a:ext cx="1838860" cy="276590"/>
+            </a:xfrm>
+            <a:prstGeom prst="rect">
+              <a:avLst/>
+            </a:prstGeom>
+            <a:noFill/>
+            <a:ln>
+              <a:solidFill>
+                <a:schemeClr val="tx1"/>
+              </a:solidFill>
+            </a:ln>
+          </p:spPr>
+          <p:style>
+            <a:lnRef idx="2">
+              <a:schemeClr val="accent1">
+                <a:shade val="50000"/>
+              </a:schemeClr>
+            </a:lnRef>
+            <a:fillRef idx="1">
+              <a:schemeClr val="accent1"/>
+            </a:fillRef>
+            <a:effectRef idx="0">
+              <a:schemeClr val="accent1"/>
+            </a:effectRef>
+            <a:fontRef idx="minor">
+              <a:schemeClr val="lt1"/>
+            </a:fontRef>
+          </p:style>
+          <p:txBody>
+            <a:bodyPr rtlCol="0" anchor="ctr"/>
+            <a:lstStyle/>
+            <a:p>
+              <a:r>
+                <a:rPr lang="ko-KR" altLang="en-US" sz="1200" dirty="0">
+                  <a:solidFill>
+                    <a:schemeClr val="tx1"/>
+                  </a:solidFill>
+                </a:rPr>
+                <a:t>한국어 문장 사이트</a:t>
+              </a:r>
+            </a:p>
+          </p:txBody>
+        </p:sp>
+        <p:sp>
+          <p:nvSpPr>
+            <p:cNvPr id="10" name="Rectangle 9">
+              <a:extLst>
+                <a:ext uri="{FF2B5EF4-FFF2-40B4-BE49-F238E27FC236}">
+                  <a16:creationId xmlns:a16="http://schemas.microsoft.com/office/drawing/2014/main" id="{DFBC5DC9-DF4C-4810-AA22-B350CACC89AA}"/>
+                </a:ext>
+              </a:extLst>
+            </p:cNvPr>
+            <p:cNvSpPr/>
+            <p:nvPr/>
+          </p:nvSpPr>
+          <p:spPr>
+            <a:xfrm>
+              <a:off x="8527076" y="3769629"/>
+              <a:ext cx="2278084" cy="3200616"/>
+            </a:xfrm>
+            <a:prstGeom prst="rect">
+              <a:avLst/>
+            </a:prstGeom>
+            <a:noFill/>
+            <a:ln>
+              <a:solidFill>
+                <a:schemeClr val="tx1"/>
+              </a:solidFill>
+            </a:ln>
+          </p:spPr>
+          <p:style>
+            <a:lnRef idx="2">
+              <a:schemeClr val="accent1">
+                <a:shade val="50000"/>
+              </a:schemeClr>
+            </a:lnRef>
+            <a:fillRef idx="1">
+              <a:schemeClr val="accent1"/>
+            </a:fillRef>
+            <a:effectRef idx="0">
+              <a:schemeClr val="accent1"/>
+            </a:effectRef>
+            <a:fontRef idx="minor">
+              <a:schemeClr val="lt1"/>
+            </a:fontRef>
+          </p:style>
+          <p:txBody>
+            <a:bodyPr rtlCol="0" anchor="ctr"/>
+            <a:lstStyle/>
+            <a:p>
+              <a:endParaRPr lang="ko-KR" altLang="en-US" sz="1200" dirty="0">
+                <a:solidFill>
+                  <a:schemeClr val="tx1"/>
+                </a:solidFill>
+              </a:endParaRPr>
+            </a:p>
+          </p:txBody>
+        </p:sp>
+        <p:sp>
+          <p:nvSpPr>
+            <p:cNvPr id="11" name="TextBox 10">
+              <a:extLst>
+                <a:ext uri="{FF2B5EF4-FFF2-40B4-BE49-F238E27FC236}">
+                  <a16:creationId xmlns:a16="http://schemas.microsoft.com/office/drawing/2014/main" id="{61C2A587-9E97-4E4E-94FE-FBE48D661BBF}"/>
+                </a:ext>
+              </a:extLst>
+            </p:cNvPr>
+            <p:cNvSpPr txBox="1"/>
+            <p:nvPr/>
+          </p:nvSpPr>
+          <p:spPr>
+            <a:xfrm>
+              <a:off x="9367717" y="3456708"/>
+              <a:ext cx="588818" cy="338554"/>
+            </a:xfrm>
+            <a:prstGeom prst="rect">
+              <a:avLst/>
+            </a:prstGeom>
+            <a:noFill/>
+          </p:spPr>
+          <p:txBody>
+            <a:bodyPr wrap="square" rtlCol="0">
+              <a:spAutoFit/>
+            </a:bodyPr>
+            <a:lstStyle/>
+            <a:p>
+              <a:r>
+                <a:rPr lang="ko-KR" altLang="en-US" sz="1400" dirty="0"/>
+                <a:t>옵션</a:t>
+              </a:r>
+            </a:p>
+          </p:txBody>
+        </p:sp>
+        <p:sp>
+          <p:nvSpPr>
+            <p:cNvPr id="12" name="Rectangle 11">
+              <a:extLst>
+                <a:ext uri="{FF2B5EF4-FFF2-40B4-BE49-F238E27FC236}">
+                  <a16:creationId xmlns:a16="http://schemas.microsoft.com/office/drawing/2014/main" id="{B2803592-EB9E-47BC-BF07-E1A9C3B4044B}"/>
+                </a:ext>
+              </a:extLst>
+            </p:cNvPr>
+            <p:cNvSpPr/>
+            <p:nvPr/>
+          </p:nvSpPr>
+          <p:spPr>
+            <a:xfrm>
+              <a:off x="8722459" y="5142040"/>
+              <a:ext cx="1838859" cy="662939"/>
+            </a:xfrm>
+            <a:prstGeom prst="rect">
+              <a:avLst/>
+            </a:prstGeom>
+            <a:noFill/>
+            <a:ln>
+              <a:solidFill>
+                <a:schemeClr val="tx1"/>
+              </a:solidFill>
+            </a:ln>
+          </p:spPr>
+          <p:style>
+            <a:lnRef idx="2">
+              <a:schemeClr val="accent1">
+                <a:shade val="50000"/>
+              </a:schemeClr>
+            </a:lnRef>
+            <a:fillRef idx="1">
+              <a:schemeClr val="accent1"/>
+            </a:fillRef>
+            <a:effectRef idx="0">
+              <a:schemeClr val="accent1"/>
+            </a:effectRef>
+            <a:fontRef idx="minor">
+              <a:schemeClr val="lt1"/>
+            </a:fontRef>
+          </p:style>
+          <p:txBody>
+            <a:bodyPr rtlCol="0" anchor="ctr"/>
+            <a:lstStyle/>
+            <a:p>
+              <a:r>
+                <a:rPr lang="ko-KR" altLang="en-US" sz="1200" dirty="0">
+                  <a:solidFill>
+                    <a:schemeClr val="tx1"/>
+                  </a:solidFill>
+                </a:rPr>
+                <a:t>보이스 선택</a:t>
+              </a:r>
+              <a:endParaRPr lang="en-US" altLang="ko-KR" sz="1200" dirty="0">
+                <a:solidFill>
+                  <a:schemeClr val="tx1"/>
+                </a:solidFill>
+              </a:endParaRPr>
+            </a:p>
+            <a:p>
+              <a:r>
+                <a:rPr lang="ko-KR" altLang="en-US" sz="1200" dirty="0">
+                  <a:solidFill>
+                    <a:schemeClr val="tx1"/>
+                  </a:solidFill>
+                </a:rPr>
+                <a:t>단어</a:t>
+              </a:r>
+              <a:r>
+                <a:rPr lang="en-US" altLang="ko-KR" sz="1200" dirty="0">
+                  <a:solidFill>
+                    <a:schemeClr val="tx1"/>
+                  </a:solidFill>
+                </a:rPr>
+                <a:t> [ON/OFF]</a:t>
+              </a:r>
+            </a:p>
+            <a:p>
+              <a:r>
+                <a:rPr lang="ko-KR" altLang="en-US" sz="1200" dirty="0">
+                  <a:solidFill>
+                    <a:schemeClr val="tx1"/>
+                  </a:solidFill>
+                </a:rPr>
+                <a:t>문장 </a:t>
+              </a:r>
+              <a:r>
+                <a:rPr lang="en-US" altLang="ko-KR" sz="1200" dirty="0">
+                  <a:solidFill>
+                    <a:schemeClr val="tx1"/>
+                  </a:solidFill>
+                </a:rPr>
+                <a:t>[ON/OFF]</a:t>
+              </a:r>
+            </a:p>
+          </p:txBody>
+        </p:sp>
+        <p:sp>
+          <p:nvSpPr>
+            <p:cNvPr id="13" name="Rectangle 12">
+              <a:extLst>
+                <a:ext uri="{FF2B5EF4-FFF2-40B4-BE49-F238E27FC236}">
+                  <a16:creationId xmlns:a16="http://schemas.microsoft.com/office/drawing/2014/main" id="{62CC6832-0E2D-4F0A-9836-0CB2A12746F9}"/>
+                </a:ext>
+              </a:extLst>
+            </p:cNvPr>
+            <p:cNvSpPr/>
+            <p:nvPr/>
+          </p:nvSpPr>
+          <p:spPr>
+            <a:xfrm>
+              <a:off x="8527076" y="7186686"/>
+              <a:ext cx="1146653" cy="312420"/>
+            </a:xfrm>
+            <a:prstGeom prst="rect">
+              <a:avLst/>
+            </a:prstGeom>
+            <a:noFill/>
+            <a:ln>
+              <a:solidFill>
+                <a:schemeClr val="tx1"/>
+              </a:solidFill>
+            </a:ln>
+          </p:spPr>
+          <p:style>
+            <a:lnRef idx="2">
+              <a:schemeClr val="accent1">
+                <a:shade val="50000"/>
+              </a:schemeClr>
+            </a:lnRef>
+            <a:fillRef idx="1">
+              <a:schemeClr val="accent1"/>
+            </a:fillRef>
+            <a:effectRef idx="0">
+              <a:schemeClr val="accent1"/>
+            </a:effectRef>
+            <a:fontRef idx="minor">
+              <a:schemeClr val="lt1"/>
+            </a:fontRef>
+          </p:style>
+          <p:txBody>
+            <a:bodyPr rtlCol="0" anchor="ctr"/>
+            <a:lstStyle/>
+            <a:p>
+              <a:pPr algn="ctr"/>
+              <a:r>
+                <a:rPr lang="ko-KR" altLang="en-US" sz="1600" dirty="0">
+                  <a:solidFill>
+                    <a:schemeClr val="tx1"/>
+                  </a:solidFill>
+                </a:rPr>
+                <a:t>확인</a:t>
+              </a:r>
+            </a:p>
+          </p:txBody>
+        </p:sp>
+        <p:sp>
+          <p:nvSpPr>
+            <p:cNvPr id="14" name="Rectangle 13">
+              <a:extLst>
+                <a:ext uri="{FF2B5EF4-FFF2-40B4-BE49-F238E27FC236}">
+                  <a16:creationId xmlns:a16="http://schemas.microsoft.com/office/drawing/2014/main" id="{68E46AD2-D397-4EB6-A597-B3A250FA2235}"/>
+                </a:ext>
+              </a:extLst>
+            </p:cNvPr>
+            <p:cNvSpPr/>
+            <p:nvPr/>
+          </p:nvSpPr>
+          <p:spPr>
+            <a:xfrm>
+              <a:off x="9806940" y="7186686"/>
+              <a:ext cx="998220" cy="312420"/>
+            </a:xfrm>
+            <a:prstGeom prst="rect">
+              <a:avLst/>
+            </a:prstGeom>
+            <a:noFill/>
+            <a:ln>
+              <a:solidFill>
+                <a:schemeClr val="tx1"/>
+              </a:solidFill>
+            </a:ln>
+          </p:spPr>
+          <p:style>
+            <a:lnRef idx="2">
+              <a:schemeClr val="accent1">
+                <a:shade val="50000"/>
+              </a:schemeClr>
+            </a:lnRef>
+            <a:fillRef idx="1">
+              <a:schemeClr val="accent1"/>
+            </a:fillRef>
+            <a:effectRef idx="0">
+              <a:schemeClr val="accent1"/>
+            </a:effectRef>
+            <a:fontRef idx="minor">
+              <a:schemeClr val="lt1"/>
+            </a:fontRef>
+          </p:style>
+          <p:txBody>
+            <a:bodyPr rtlCol="0" anchor="ctr"/>
+            <a:lstStyle/>
+            <a:p>
+              <a:pPr algn="ctr"/>
+              <a:r>
+                <a:rPr lang="ko-KR" altLang="en-US" sz="1600" dirty="0">
+                  <a:solidFill>
+                    <a:schemeClr val="tx1"/>
+                  </a:solidFill>
+                </a:rPr>
+                <a:t>취소</a:t>
+              </a:r>
+            </a:p>
+          </p:txBody>
+        </p:sp>
+      </p:grpSp>
+      <p:sp>
+        <p:nvSpPr>
+          <p:cNvPr id="16" name="Oval 15">
+            <a:extLst>
+              <a:ext uri="{FF2B5EF4-FFF2-40B4-BE49-F238E27FC236}">
+                <a16:creationId xmlns:a16="http://schemas.microsoft.com/office/drawing/2014/main" id="{E69AC593-1A16-42F8-B996-7E8798414DC4}"/>
+              </a:ext>
+            </a:extLst>
+          </p:cNvPr>
+          <p:cNvSpPr/>
+          <p:nvPr/>
+        </p:nvSpPr>
+        <p:spPr>
+          <a:xfrm>
+            <a:off x="3301246" y="880013"/>
+            <a:ext cx="223851" cy="223851"/>
+          </a:xfrm>
+          <a:prstGeom prst="ellipse">
+            <a:avLst/>
+          </a:prstGeom>
+          <a:solidFill>
+            <a:schemeClr val="bg1"/>
+          </a:solidFill>
+          <a:ln w="28575">
+            <a:solidFill>
+              <a:schemeClr val="tx1"/>
+            </a:solidFill>
+          </a:ln>
+        </p:spPr>
+        <p:style>
+          <a:lnRef idx="2">
+            <a:schemeClr val="accent1">
+              <a:shade val="50000"/>
+            </a:schemeClr>
+          </a:lnRef>
+          <a:fillRef idx="1">
+            <a:schemeClr val="accent1"/>
+          </a:fillRef>
+          <a:effectRef idx="0">
+            <a:schemeClr val="accent1"/>
+          </a:effectRef>
+          <a:fontRef idx="minor">
+            <a:schemeClr val="lt1"/>
+          </a:fontRef>
+        </p:style>
+        <p:txBody>
+          <a:bodyPr rtlCol="0" anchor="ctr"/>
+          <a:lstStyle/>
+          <a:p>
+            <a:pPr algn="ctr"/>
+            <a:r>
+              <a:rPr lang="en-US" altLang="ko-KR" sz="1200" dirty="0">
+                <a:solidFill>
+                  <a:schemeClr val="tx1"/>
+                </a:solidFill>
+              </a:rPr>
+              <a:t>1</a:t>
+            </a:r>
+            <a:endParaRPr lang="ko-KR" altLang="en-US" sz="1200" dirty="0">
+              <a:solidFill>
+                <a:schemeClr val="tx1"/>
+              </a:solidFill>
+            </a:endParaRPr>
+          </a:p>
+        </p:txBody>
+      </p:sp>
+      <p:sp>
+        <p:nvSpPr>
+          <p:cNvPr id="17" name="Oval 16">
+            <a:extLst>
+              <a:ext uri="{FF2B5EF4-FFF2-40B4-BE49-F238E27FC236}">
+                <a16:creationId xmlns:a16="http://schemas.microsoft.com/office/drawing/2014/main" id="{701BF2DB-A258-409D-A18D-B267EDDC6C11}"/>
+              </a:ext>
+            </a:extLst>
+          </p:cNvPr>
+          <p:cNvSpPr/>
+          <p:nvPr/>
+        </p:nvSpPr>
+        <p:spPr>
+          <a:xfrm>
+            <a:off x="379209" y="4830567"/>
+            <a:ext cx="223851" cy="223851"/>
+          </a:xfrm>
+          <a:prstGeom prst="ellipse">
+            <a:avLst/>
+          </a:prstGeom>
+          <a:solidFill>
+            <a:schemeClr val="bg1"/>
+          </a:solidFill>
+          <a:ln w="28575">
+            <a:solidFill>
+              <a:schemeClr val="tx1"/>
+            </a:solidFill>
+          </a:ln>
+        </p:spPr>
+        <p:style>
+          <a:lnRef idx="2">
+            <a:schemeClr val="accent1">
+              <a:shade val="50000"/>
+            </a:schemeClr>
+          </a:lnRef>
+          <a:fillRef idx="1">
+            <a:schemeClr val="accent1"/>
+          </a:fillRef>
+          <a:effectRef idx="0">
+            <a:schemeClr val="accent1"/>
+          </a:effectRef>
+          <a:fontRef idx="minor">
+            <a:schemeClr val="lt1"/>
+          </a:fontRef>
+        </p:style>
+        <p:txBody>
+          <a:bodyPr rtlCol="0" anchor="ctr"/>
+          <a:lstStyle/>
+          <a:p>
+            <a:pPr algn="ctr"/>
+            <a:r>
+              <a:rPr lang="en-US" altLang="ko-KR" sz="1200" dirty="0">
+                <a:solidFill>
+                  <a:schemeClr val="tx1"/>
+                </a:solidFill>
+              </a:rPr>
+              <a:t>1</a:t>
+            </a:r>
+            <a:endParaRPr lang="ko-KR" altLang="en-US" sz="1200" dirty="0">
+              <a:solidFill>
+                <a:schemeClr val="tx1"/>
+              </a:solidFill>
+            </a:endParaRPr>
+          </a:p>
+        </p:txBody>
+      </p:sp>
+      <p:sp>
+        <p:nvSpPr>
+          <p:cNvPr id="18" name="Oval 17">
+            <a:extLst>
+              <a:ext uri="{FF2B5EF4-FFF2-40B4-BE49-F238E27FC236}">
+                <a16:creationId xmlns:a16="http://schemas.microsoft.com/office/drawing/2014/main" id="{DF0156DB-A881-4A59-A7DD-172A91430A04}"/>
+              </a:ext>
+            </a:extLst>
+          </p:cNvPr>
+          <p:cNvSpPr/>
+          <p:nvPr/>
+        </p:nvSpPr>
+        <p:spPr>
+          <a:xfrm>
+            <a:off x="378209" y="6416624"/>
+            <a:ext cx="223851" cy="223851"/>
+          </a:xfrm>
+          <a:prstGeom prst="ellipse">
+            <a:avLst/>
+          </a:prstGeom>
+          <a:solidFill>
+            <a:schemeClr val="bg1"/>
+          </a:solidFill>
+          <a:ln w="28575">
+            <a:solidFill>
+              <a:schemeClr val="tx1"/>
+            </a:solidFill>
+          </a:ln>
+        </p:spPr>
+        <p:style>
+          <a:lnRef idx="2">
+            <a:schemeClr val="accent1">
+              <a:shade val="50000"/>
+            </a:schemeClr>
+          </a:lnRef>
+          <a:fillRef idx="1">
+            <a:schemeClr val="accent1"/>
+          </a:fillRef>
+          <a:effectRef idx="0">
+            <a:schemeClr val="accent1"/>
+          </a:effectRef>
+          <a:fontRef idx="minor">
+            <a:schemeClr val="lt1"/>
+          </a:fontRef>
+        </p:style>
+        <p:txBody>
+          <a:bodyPr rtlCol="0" anchor="ctr"/>
+          <a:lstStyle/>
+          <a:p>
+            <a:pPr algn="ctr"/>
+            <a:r>
+              <a:rPr lang="en-US" altLang="ko-KR" sz="1200" dirty="0">
+                <a:solidFill>
+                  <a:schemeClr val="tx1"/>
+                </a:solidFill>
+              </a:rPr>
+              <a:t>4</a:t>
+            </a:r>
+            <a:endParaRPr lang="ko-KR" altLang="en-US" sz="1200" dirty="0">
+              <a:solidFill>
+                <a:schemeClr val="tx1"/>
+              </a:solidFill>
+            </a:endParaRPr>
+          </a:p>
+        </p:txBody>
+      </p:sp>
+      <p:sp>
+        <p:nvSpPr>
+          <p:cNvPr id="20" name="Oval 19">
+            <a:extLst>
+              <a:ext uri="{FF2B5EF4-FFF2-40B4-BE49-F238E27FC236}">
+                <a16:creationId xmlns:a16="http://schemas.microsoft.com/office/drawing/2014/main" id="{8937FDA1-32AD-48FD-9076-335795D03F6C}"/>
+              </a:ext>
+            </a:extLst>
+          </p:cNvPr>
+          <p:cNvSpPr/>
+          <p:nvPr/>
+        </p:nvSpPr>
+        <p:spPr>
+          <a:xfrm>
+            <a:off x="379209" y="5887939"/>
+            <a:ext cx="223851" cy="223851"/>
+          </a:xfrm>
+          <a:prstGeom prst="ellipse">
+            <a:avLst/>
+          </a:prstGeom>
+          <a:solidFill>
+            <a:schemeClr val="bg1"/>
+          </a:solidFill>
+          <a:ln w="28575">
+            <a:solidFill>
+              <a:schemeClr val="tx1"/>
+            </a:solidFill>
+          </a:ln>
+        </p:spPr>
+        <p:style>
+          <a:lnRef idx="2">
+            <a:schemeClr val="accent1">
+              <a:shade val="50000"/>
+            </a:schemeClr>
+          </a:lnRef>
+          <a:fillRef idx="1">
+            <a:schemeClr val="accent1"/>
+          </a:fillRef>
+          <a:effectRef idx="0">
+            <a:schemeClr val="accent1"/>
+          </a:effectRef>
+          <a:fontRef idx="minor">
+            <a:schemeClr val="lt1"/>
+          </a:fontRef>
+        </p:style>
+        <p:txBody>
+          <a:bodyPr rtlCol="0" anchor="ctr"/>
+          <a:lstStyle/>
+          <a:p>
+            <a:pPr algn="ctr"/>
+            <a:r>
+              <a:rPr lang="en-US" altLang="ko-KR" sz="1200" dirty="0">
+                <a:solidFill>
+                  <a:schemeClr val="tx1"/>
+                </a:solidFill>
+              </a:rPr>
+              <a:t>3</a:t>
+            </a:r>
+            <a:endParaRPr lang="ko-KR" altLang="en-US" sz="1200" dirty="0">
+              <a:solidFill>
+                <a:schemeClr val="tx1"/>
+              </a:solidFill>
+            </a:endParaRPr>
+          </a:p>
+        </p:txBody>
+      </p:sp>
+      <p:sp>
+        <p:nvSpPr>
+          <p:cNvPr id="21" name="Oval 20">
+            <a:extLst>
+              <a:ext uri="{FF2B5EF4-FFF2-40B4-BE49-F238E27FC236}">
+                <a16:creationId xmlns:a16="http://schemas.microsoft.com/office/drawing/2014/main" id="{E067519A-D651-4268-91E0-C0070E846192}"/>
+              </a:ext>
+            </a:extLst>
+          </p:cNvPr>
+          <p:cNvSpPr/>
+          <p:nvPr/>
+        </p:nvSpPr>
+        <p:spPr>
+          <a:xfrm>
+            <a:off x="379209" y="5359253"/>
+            <a:ext cx="223851" cy="223851"/>
+          </a:xfrm>
+          <a:prstGeom prst="ellipse">
+            <a:avLst/>
+          </a:prstGeom>
+          <a:solidFill>
+            <a:schemeClr val="bg1"/>
+          </a:solidFill>
+          <a:ln w="28575">
+            <a:solidFill>
+              <a:schemeClr val="tx1"/>
+            </a:solidFill>
+          </a:ln>
+        </p:spPr>
+        <p:style>
+          <a:lnRef idx="2">
+            <a:schemeClr val="accent1">
+              <a:shade val="50000"/>
+            </a:schemeClr>
+          </a:lnRef>
+          <a:fillRef idx="1">
+            <a:schemeClr val="accent1"/>
+          </a:fillRef>
+          <a:effectRef idx="0">
+            <a:schemeClr val="accent1"/>
+          </a:effectRef>
+          <a:fontRef idx="minor">
+            <a:schemeClr val="lt1"/>
+          </a:fontRef>
+        </p:style>
+        <p:txBody>
+          <a:bodyPr rtlCol="0" anchor="ctr"/>
+          <a:lstStyle/>
+          <a:p>
+            <a:pPr algn="ctr"/>
+            <a:r>
+              <a:rPr lang="en-US" altLang="ko-KR" sz="1200" dirty="0">
+                <a:solidFill>
+                  <a:schemeClr val="tx1"/>
+                </a:solidFill>
+              </a:rPr>
+              <a:t>2</a:t>
+            </a:r>
+            <a:endParaRPr lang="ko-KR" altLang="en-US" sz="1200" dirty="0">
+              <a:solidFill>
+                <a:schemeClr val="tx1"/>
+              </a:solidFill>
+            </a:endParaRPr>
+          </a:p>
+        </p:txBody>
+      </p:sp>
+      <p:sp>
+        <p:nvSpPr>
+          <p:cNvPr id="22" name="TextBox 21">
+            <a:extLst>
+              <a:ext uri="{FF2B5EF4-FFF2-40B4-BE49-F238E27FC236}">
+                <a16:creationId xmlns:a16="http://schemas.microsoft.com/office/drawing/2014/main" id="{3FCEC27D-8DBA-412C-A55F-CE0D060EBD40}"/>
+              </a:ext>
+            </a:extLst>
+          </p:cNvPr>
+          <p:cNvSpPr txBox="1"/>
+          <p:nvPr/>
+        </p:nvSpPr>
+        <p:spPr>
+          <a:xfrm>
+            <a:off x="751180" y="4820839"/>
+            <a:ext cx="3768596" cy="307777"/>
+          </a:xfrm>
+          <a:prstGeom prst="rect">
+            <a:avLst/>
+          </a:prstGeom>
+          <a:noFill/>
+        </p:spPr>
+        <p:txBody>
+          <a:bodyPr wrap="none" rtlCol="0">
+            <a:spAutoFit/>
+          </a:bodyPr>
+          <a:lstStyle/>
+          <a:p>
+            <a:r>
+              <a:rPr lang="ko-KR" altLang="en-US" sz="1400" dirty="0"/>
+              <a:t>원하는 단어를 검색한다</a:t>
+            </a:r>
+            <a:r>
+              <a:rPr lang="en-US" altLang="ko-KR" sz="1400" dirty="0"/>
+              <a:t>.  ||| </a:t>
+            </a:r>
+            <a:r>
+              <a:rPr lang="en-US" altLang="ko-KR" sz="1400" dirty="0" err="1"/>
+              <a:t>selecting_sentence</a:t>
+            </a:r>
+            <a:r>
+              <a:rPr lang="en-US" altLang="ko-KR" sz="1400" dirty="0"/>
+              <a:t>()</a:t>
+            </a:r>
+            <a:endParaRPr lang="ko-KR" altLang="en-US" sz="1400" dirty="0"/>
+          </a:p>
+        </p:txBody>
+      </p:sp>
+      <p:sp>
+        <p:nvSpPr>
+          <p:cNvPr id="23" name="TextBox 22">
+            <a:extLst>
+              <a:ext uri="{FF2B5EF4-FFF2-40B4-BE49-F238E27FC236}">
+                <a16:creationId xmlns:a16="http://schemas.microsoft.com/office/drawing/2014/main" id="{08988449-16C8-4816-BEE4-FA2B9DAEBFEE}"/>
+              </a:ext>
+            </a:extLst>
+          </p:cNvPr>
+          <p:cNvSpPr txBox="1"/>
+          <p:nvPr/>
+        </p:nvSpPr>
+        <p:spPr>
+          <a:xfrm>
+            <a:off x="751180" y="5338779"/>
+            <a:ext cx="7639143" cy="307777"/>
+          </a:xfrm>
+          <a:prstGeom prst="rect">
+            <a:avLst/>
+          </a:prstGeom>
+          <a:noFill/>
+        </p:spPr>
+        <p:txBody>
+          <a:bodyPr wrap="none" rtlCol="0">
+            <a:spAutoFit/>
+          </a:bodyPr>
+          <a:lstStyle/>
+          <a:p>
+            <a:r>
+              <a:rPr lang="ko-KR" altLang="en-US" sz="1400" dirty="0"/>
+              <a:t>원하는 문장을 더블 클릭한다</a:t>
+            </a:r>
+            <a:r>
+              <a:rPr lang="en-US" altLang="ko-KR" sz="1400" dirty="0"/>
+              <a:t>. ||| </a:t>
+            </a:r>
+            <a:r>
+              <a:rPr lang="en-US" altLang="ko-KR" sz="1400" dirty="0" err="1"/>
+              <a:t>selecting_sentence</a:t>
+            </a:r>
+            <a:r>
+              <a:rPr lang="en-US" altLang="ko-KR" sz="1400" dirty="0"/>
+              <a:t>().</a:t>
+            </a:r>
+            <a:r>
+              <a:rPr lang="en-US" altLang="ko-KR" sz="1400" dirty="0" err="1"/>
+              <a:t>show_sen</a:t>
+            </a:r>
+            <a:r>
+              <a:rPr lang="en-US" altLang="ko-KR" sz="1400" dirty="0"/>
+              <a:t>()  </a:t>
+            </a:r>
+            <a:r>
+              <a:rPr lang="ko-KR" altLang="en-US" sz="1400" dirty="0"/>
+              <a:t>더블클릭은 </a:t>
+            </a:r>
+            <a:r>
+              <a:rPr lang="en-US" altLang="ko-KR" sz="1400" dirty="0"/>
+              <a:t>design</a:t>
+            </a:r>
+            <a:r>
+              <a:rPr lang="ko-KR" altLang="en-US" sz="1400" dirty="0"/>
+              <a:t>에서 </a:t>
+            </a:r>
+            <a:r>
+              <a:rPr lang="ko-KR" altLang="en-US" sz="1400" dirty="0" err="1"/>
+              <a:t>구현해야할</a:t>
+            </a:r>
+            <a:r>
+              <a:rPr lang="ko-KR" altLang="en-US" sz="1400" dirty="0"/>
+              <a:t> 듯</a:t>
+            </a:r>
+          </a:p>
+        </p:txBody>
+      </p:sp>
+      <p:sp>
+        <p:nvSpPr>
+          <p:cNvPr id="24" name="Oval 23">
+            <a:extLst>
+              <a:ext uri="{FF2B5EF4-FFF2-40B4-BE49-F238E27FC236}">
+                <a16:creationId xmlns:a16="http://schemas.microsoft.com/office/drawing/2014/main" id="{48B1C91A-298F-49BF-89ED-EFBAC2AEB011}"/>
+              </a:ext>
+            </a:extLst>
+          </p:cNvPr>
+          <p:cNvSpPr/>
+          <p:nvPr/>
+        </p:nvSpPr>
+        <p:spPr>
+          <a:xfrm>
+            <a:off x="4637695" y="1752845"/>
+            <a:ext cx="223851" cy="223851"/>
+          </a:xfrm>
+          <a:prstGeom prst="ellipse">
+            <a:avLst/>
+          </a:prstGeom>
+          <a:solidFill>
+            <a:schemeClr val="bg1"/>
+          </a:solidFill>
+          <a:ln w="28575">
+            <a:solidFill>
+              <a:schemeClr val="tx1"/>
+            </a:solidFill>
+          </a:ln>
+        </p:spPr>
+        <p:style>
+          <a:lnRef idx="2">
+            <a:schemeClr val="accent1">
+              <a:shade val="50000"/>
+            </a:schemeClr>
+          </a:lnRef>
+          <a:fillRef idx="1">
+            <a:schemeClr val="accent1"/>
+          </a:fillRef>
+          <a:effectRef idx="0">
+            <a:schemeClr val="accent1"/>
+          </a:effectRef>
+          <a:fontRef idx="minor">
+            <a:schemeClr val="lt1"/>
+          </a:fontRef>
+        </p:style>
+        <p:txBody>
+          <a:bodyPr rtlCol="0" anchor="ctr"/>
+          <a:lstStyle/>
+          <a:p>
+            <a:pPr algn="ctr"/>
+            <a:r>
+              <a:rPr lang="en-US" altLang="ko-KR" sz="1200" dirty="0">
+                <a:solidFill>
+                  <a:schemeClr val="tx1"/>
+                </a:solidFill>
+              </a:rPr>
+              <a:t>2</a:t>
+            </a:r>
+            <a:endParaRPr lang="ko-KR" altLang="en-US" sz="1200" dirty="0">
+              <a:solidFill>
+                <a:schemeClr val="tx1"/>
+              </a:solidFill>
+            </a:endParaRPr>
+          </a:p>
+        </p:txBody>
+      </p:sp>
+      <p:sp>
+        <p:nvSpPr>
+          <p:cNvPr id="26" name="TextBox 25">
+            <a:extLst>
+              <a:ext uri="{FF2B5EF4-FFF2-40B4-BE49-F238E27FC236}">
+                <a16:creationId xmlns:a16="http://schemas.microsoft.com/office/drawing/2014/main" id="{4E8E6D43-8EAD-4A22-AAA9-BE726DA16B41}"/>
+              </a:ext>
+            </a:extLst>
+          </p:cNvPr>
+          <p:cNvSpPr txBox="1"/>
+          <p:nvPr/>
+        </p:nvSpPr>
+        <p:spPr>
+          <a:xfrm>
+            <a:off x="751180" y="5856719"/>
+            <a:ext cx="3185487" cy="307777"/>
+          </a:xfrm>
+          <a:prstGeom prst="rect">
+            <a:avLst/>
+          </a:prstGeom>
+          <a:noFill/>
+        </p:spPr>
+        <p:txBody>
+          <a:bodyPr wrap="none" rtlCol="0">
+            <a:spAutoFit/>
+          </a:bodyPr>
+          <a:lstStyle/>
+          <a:p>
+            <a:r>
+              <a:rPr lang="ko-KR" altLang="en-US" sz="1400" dirty="0"/>
+              <a:t>문장 번호가 쓰여진다</a:t>
+            </a:r>
+            <a:r>
+              <a:rPr lang="en-US" altLang="ko-KR" sz="1400" dirty="0"/>
+              <a:t>. </a:t>
+            </a:r>
+            <a:r>
+              <a:rPr lang="ko-KR" altLang="en-US" sz="1400" dirty="0"/>
+              <a:t>직접 수정해도 된다</a:t>
+            </a:r>
+            <a:r>
+              <a:rPr lang="en-US" altLang="ko-KR" sz="1400" dirty="0"/>
+              <a:t>. </a:t>
+            </a:r>
+            <a:endParaRPr lang="ko-KR" altLang="en-US" sz="1400" dirty="0"/>
+          </a:p>
+        </p:txBody>
+      </p:sp>
+      <p:sp>
+        <p:nvSpPr>
+          <p:cNvPr id="28" name="Oval 27">
+            <a:extLst>
+              <a:ext uri="{FF2B5EF4-FFF2-40B4-BE49-F238E27FC236}">
+                <a16:creationId xmlns:a16="http://schemas.microsoft.com/office/drawing/2014/main" id="{CFBB5974-CC8F-4536-A535-43D7B928F4E8}"/>
+              </a:ext>
+            </a:extLst>
+          </p:cNvPr>
+          <p:cNvSpPr/>
+          <p:nvPr/>
+        </p:nvSpPr>
+        <p:spPr>
+          <a:xfrm>
+            <a:off x="4525769" y="3892591"/>
+            <a:ext cx="223851" cy="223851"/>
+          </a:xfrm>
+          <a:prstGeom prst="ellipse">
+            <a:avLst/>
+          </a:prstGeom>
+          <a:solidFill>
+            <a:schemeClr val="bg1"/>
+          </a:solidFill>
+          <a:ln w="28575">
+            <a:solidFill>
+              <a:schemeClr val="tx1"/>
+            </a:solidFill>
+          </a:ln>
+        </p:spPr>
+        <p:style>
+          <a:lnRef idx="2">
+            <a:schemeClr val="accent1">
+              <a:shade val="50000"/>
+            </a:schemeClr>
+          </a:lnRef>
+          <a:fillRef idx="1">
+            <a:schemeClr val="accent1"/>
+          </a:fillRef>
+          <a:effectRef idx="0">
+            <a:schemeClr val="accent1"/>
+          </a:effectRef>
+          <a:fontRef idx="minor">
+            <a:schemeClr val="lt1"/>
+          </a:fontRef>
+        </p:style>
+        <p:txBody>
+          <a:bodyPr rtlCol="0" anchor="ctr"/>
+          <a:lstStyle/>
+          <a:p>
+            <a:pPr algn="ctr"/>
+            <a:r>
+              <a:rPr lang="en-US" altLang="ko-KR" sz="1200" dirty="0">
+                <a:solidFill>
+                  <a:schemeClr val="tx1"/>
+                </a:solidFill>
+              </a:rPr>
+              <a:t>3</a:t>
+            </a:r>
+            <a:endParaRPr lang="ko-KR" altLang="en-US" sz="1200" dirty="0">
+              <a:solidFill>
+                <a:schemeClr val="tx1"/>
+              </a:solidFill>
+            </a:endParaRPr>
+          </a:p>
+        </p:txBody>
+      </p:sp>
+      <p:sp>
+        <p:nvSpPr>
+          <p:cNvPr id="29" name="TextBox 28">
+            <a:extLst>
+              <a:ext uri="{FF2B5EF4-FFF2-40B4-BE49-F238E27FC236}">
+                <a16:creationId xmlns:a16="http://schemas.microsoft.com/office/drawing/2014/main" id="{06591881-DA50-4D1D-8F43-B441016158A2}"/>
+              </a:ext>
+            </a:extLst>
+          </p:cNvPr>
+          <p:cNvSpPr txBox="1"/>
+          <p:nvPr/>
+        </p:nvSpPr>
+        <p:spPr>
+          <a:xfrm>
+            <a:off x="751179" y="6374660"/>
+            <a:ext cx="7762061" cy="307777"/>
+          </a:xfrm>
+          <a:prstGeom prst="rect">
+            <a:avLst/>
+          </a:prstGeom>
+          <a:noFill/>
+        </p:spPr>
+        <p:txBody>
+          <a:bodyPr wrap="none" rtlCol="0">
+            <a:spAutoFit/>
+          </a:bodyPr>
+          <a:lstStyle/>
+          <a:p>
+            <a:r>
+              <a:rPr lang="ko-KR" altLang="en-US" sz="1400" dirty="0"/>
+              <a:t>확인을 누르면 문장이 </a:t>
+            </a:r>
+            <a:r>
+              <a:rPr lang="en-US" altLang="ko-KR" sz="1400" dirty="0"/>
+              <a:t>Anki Deck</a:t>
+            </a:r>
+            <a:r>
+              <a:rPr lang="ko-KR" altLang="en-US" sz="1400" dirty="0"/>
+              <a:t>으로 저장이 된다</a:t>
+            </a:r>
+            <a:r>
+              <a:rPr lang="en-US" altLang="ko-KR" sz="1400" dirty="0"/>
+              <a:t>.  |||  3</a:t>
+            </a:r>
+            <a:r>
+              <a:rPr lang="ko-KR" altLang="en-US" sz="1400" dirty="0"/>
+              <a:t>에서 얻은 문장번호를 바탕으로 </a:t>
+            </a:r>
+            <a:r>
+              <a:rPr lang="en-US" altLang="ko-KR" sz="1400" dirty="0" err="1"/>
+              <a:t>extrct_select_sen</a:t>
+            </a:r>
+            <a:r>
+              <a:rPr lang="en-US" altLang="ko-KR" sz="1400" dirty="0"/>
+              <a:t>()</a:t>
+            </a:r>
+            <a:endParaRPr lang="ko-KR" altLang="en-US" sz="1400" dirty="0"/>
+          </a:p>
+        </p:txBody>
+      </p:sp>
+      <p:sp>
+        <p:nvSpPr>
+          <p:cNvPr id="30" name="Oval 29">
+            <a:extLst>
+              <a:ext uri="{FF2B5EF4-FFF2-40B4-BE49-F238E27FC236}">
+                <a16:creationId xmlns:a16="http://schemas.microsoft.com/office/drawing/2014/main" id="{A402145A-8C00-4C80-9599-51CD20676C50}"/>
+              </a:ext>
+            </a:extLst>
+          </p:cNvPr>
+          <p:cNvSpPr/>
+          <p:nvPr/>
+        </p:nvSpPr>
+        <p:spPr>
+          <a:xfrm>
+            <a:off x="6314223" y="3880658"/>
+            <a:ext cx="223851" cy="223851"/>
+          </a:xfrm>
+          <a:prstGeom prst="ellipse">
+            <a:avLst/>
+          </a:prstGeom>
+          <a:solidFill>
+            <a:schemeClr val="bg1"/>
+          </a:solidFill>
+          <a:ln w="28575">
+            <a:solidFill>
+              <a:schemeClr val="tx1"/>
+            </a:solidFill>
+          </a:ln>
+        </p:spPr>
+        <p:style>
+          <a:lnRef idx="2">
+            <a:schemeClr val="accent1">
+              <a:shade val="50000"/>
+            </a:schemeClr>
+          </a:lnRef>
+          <a:fillRef idx="1">
+            <a:schemeClr val="accent1"/>
+          </a:fillRef>
+          <a:effectRef idx="0">
+            <a:schemeClr val="accent1"/>
+          </a:effectRef>
+          <a:fontRef idx="minor">
+            <a:schemeClr val="lt1"/>
+          </a:fontRef>
+        </p:style>
+        <p:txBody>
+          <a:bodyPr rtlCol="0" anchor="ctr"/>
+          <a:lstStyle/>
+          <a:p>
+            <a:pPr algn="ctr"/>
+            <a:r>
+              <a:rPr lang="en-US" altLang="ko-KR" sz="1200" dirty="0">
+                <a:solidFill>
+                  <a:schemeClr val="tx1"/>
+                </a:solidFill>
+              </a:rPr>
+              <a:t>4</a:t>
+            </a:r>
+            <a:endParaRPr lang="ko-KR" altLang="en-US" sz="1200" dirty="0">
+              <a:solidFill>
+                <a:schemeClr val="tx1"/>
+              </a:solidFill>
+            </a:endParaRPr>
+          </a:p>
+        </p:txBody>
+      </p:sp>
     </p:spTree>
     <p:extLst>
       <p:ext uri="{BB962C8B-B14F-4D97-AF65-F5344CB8AC3E}">
         <p14:creationId xmlns:p14="http://schemas.microsoft.com/office/powerpoint/2010/main" val="1681645460"/>
+      </p:ext>
+    </p:extLst>
+  </p:cSld>
+  <p:clrMapOvr>
+    <a:masterClrMapping/>
+  </p:clrMapOvr>
+</p:sld>
+</file>
+
+<file path=ppt/slides/slide3.xml><?xml version="1.0" encoding="utf-8"?>
+<p:sld xmlns:a="http://schemas.openxmlformats.org/drawingml/2006/main" xmlns:r="http://schemas.openxmlformats.org/officeDocument/2006/relationships" xmlns:p="http://schemas.openxmlformats.org/presentationml/2006/main">
+  <p:cSld>
+    <p:spTree>
+      <p:nvGrpSpPr>
+        <p:cNvPr id="1" name=""/>
+        <p:cNvGrpSpPr/>
+        <p:nvPr/>
+      </p:nvGrpSpPr>
+      <p:grpSpPr>
+        <a:xfrm>
+          <a:off x="0" y="0"/>
+          <a:ext cx="0" cy="0"/>
+          <a:chOff x="0" y="0"/>
+          <a:chExt cx="0" cy="0"/>
+        </a:xfrm>
+      </p:grpSpPr>
+      <p:sp>
+        <p:nvSpPr>
+          <p:cNvPr id="15" name="TextBox 14">
+            <a:extLst>
+              <a:ext uri="{FF2B5EF4-FFF2-40B4-BE49-F238E27FC236}">
+                <a16:creationId xmlns:a16="http://schemas.microsoft.com/office/drawing/2014/main" id="{285F2B21-A37E-4A7E-A384-FDBC46B4DFB3}"/>
+              </a:ext>
+            </a:extLst>
+          </p:cNvPr>
+          <p:cNvSpPr txBox="1"/>
+          <p:nvPr/>
+        </p:nvSpPr>
+        <p:spPr>
+          <a:xfrm>
+            <a:off x="136187" y="369651"/>
+            <a:ext cx="7626485" cy="2031325"/>
+          </a:xfrm>
+          <a:prstGeom prst="rect">
+            <a:avLst/>
+          </a:prstGeom>
+          <a:noFill/>
+        </p:spPr>
+        <p:txBody>
+          <a:bodyPr wrap="square" rtlCol="0">
+            <a:spAutoFit/>
+          </a:bodyPr>
+          <a:lstStyle/>
+          <a:p>
+            <a:r>
+              <a:rPr lang="ko-KR" altLang="en-US" dirty="0" err="1"/>
+              <a:t>구현해야하는</a:t>
+            </a:r>
+            <a:r>
+              <a:rPr lang="ko-KR" altLang="en-US" dirty="0"/>
+              <a:t> </a:t>
+            </a:r>
+            <a:r>
+              <a:rPr lang="ko-KR" altLang="en-US" dirty="0" err="1"/>
+              <a:t>매소드</a:t>
+            </a:r>
+            <a:endParaRPr lang="en-US" altLang="ko-KR" dirty="0"/>
+          </a:p>
+          <a:p>
+            <a:endParaRPr lang="en-US" altLang="ko-KR" dirty="0"/>
+          </a:p>
+          <a:p>
+            <a:r>
+              <a:rPr lang="en-US" altLang="ko-KR" strike="sngStrike" dirty="0"/>
+              <a:t>1. Cambridge </a:t>
+            </a:r>
+            <a:r>
+              <a:rPr lang="ko-KR" altLang="en-US" strike="sngStrike" dirty="0"/>
+              <a:t>선택 된 문장 </a:t>
+            </a:r>
+            <a:r>
+              <a:rPr lang="en-US" altLang="ko-KR" strike="sngStrike" dirty="0" err="1"/>
+              <a:t>papago</a:t>
+            </a:r>
+            <a:r>
+              <a:rPr lang="ko-KR" altLang="en-US" strike="sngStrike" dirty="0"/>
+              <a:t>로 음원 받기 </a:t>
+            </a:r>
+            <a:r>
+              <a:rPr lang="en-US" altLang="ko-KR" strike="sngStrike" dirty="0"/>
+              <a:t>Cambridge Class </a:t>
+            </a:r>
+            <a:r>
+              <a:rPr lang="ko-KR" altLang="en-US" strike="sngStrike"/>
+              <a:t>안에 넣기</a:t>
+            </a:r>
+            <a:endParaRPr lang="en-US" altLang="ko-KR" strike="sngStrike" dirty="0"/>
+          </a:p>
+          <a:p>
+            <a:endParaRPr lang="en-US" altLang="ko-KR" dirty="0"/>
+          </a:p>
+          <a:p>
+            <a:r>
+              <a:rPr lang="en-US" altLang="ko-KR" dirty="0"/>
+              <a:t>2. </a:t>
+            </a:r>
+            <a:r>
+              <a:rPr lang="ko-KR" altLang="en-US" dirty="0"/>
+              <a:t>단어 음원 추출하는 메서드  각 </a:t>
+            </a:r>
+            <a:r>
+              <a:rPr lang="en-US" altLang="ko-KR" dirty="0"/>
+              <a:t>class</a:t>
+            </a:r>
+            <a:r>
+              <a:rPr lang="ko-KR" altLang="en-US" dirty="0"/>
+              <a:t>에 넣기 </a:t>
+            </a:r>
+            <a:endParaRPr lang="en-US" altLang="ko-KR" dirty="0"/>
+          </a:p>
+          <a:p>
+            <a:endParaRPr lang="en-US" altLang="ko-KR" dirty="0"/>
+          </a:p>
+          <a:p>
+            <a:r>
+              <a:rPr lang="en-US" altLang="ko-KR" dirty="0"/>
+              <a:t>3. Anki Deck</a:t>
+            </a:r>
+            <a:r>
+              <a:rPr lang="ko-KR" altLang="en-US" dirty="0"/>
+              <a:t>에 단어 넣는 방법 찾아보기</a:t>
+            </a:r>
+          </a:p>
+        </p:txBody>
+      </p:sp>
+    </p:spTree>
+    <p:extLst>
+      <p:ext uri="{BB962C8B-B14F-4D97-AF65-F5344CB8AC3E}">
+        <p14:creationId xmlns:p14="http://schemas.microsoft.com/office/powerpoint/2010/main" val="3645549770"/>
+      </p:ext>
+    </p:extLst>
+  </p:cSld>
+  <p:clrMapOvr>
+    <a:masterClrMapping/>
+  </p:clrMapOvr>
+</p:sld>
+</file>
+
+<file path=ppt/slides/slide4.xml><?xml version="1.0" encoding="utf-8"?>
+<p:sld xmlns:a="http://schemas.openxmlformats.org/drawingml/2006/main" xmlns:r="http://schemas.openxmlformats.org/officeDocument/2006/relationships" xmlns:p="http://schemas.openxmlformats.org/presentationml/2006/main">
+  <p:cSld>
+    <p:spTree>
+      <p:nvGrpSpPr>
+        <p:cNvPr id="1" name=""/>
+        <p:cNvGrpSpPr/>
+        <p:nvPr/>
+      </p:nvGrpSpPr>
+      <p:grpSpPr>
+        <a:xfrm>
+          <a:off x="0" y="0"/>
+          <a:ext cx="0" cy="0"/>
+          <a:chOff x="0" y="0"/>
+          <a:chExt cx="0" cy="0"/>
+        </a:xfrm>
+      </p:grpSpPr>
+      <p:pic>
+        <p:nvPicPr>
+          <p:cNvPr id="19" name="Picture 18">
+            <a:extLst>
+              <a:ext uri="{FF2B5EF4-FFF2-40B4-BE49-F238E27FC236}">
+                <a16:creationId xmlns:a16="http://schemas.microsoft.com/office/drawing/2014/main" id="{54B86D75-E934-4FB4-A557-0BE69CF31EDB}"/>
+              </a:ext>
+            </a:extLst>
+          </p:cNvPr>
+          <p:cNvPicPr>
+            <a:picLocks noChangeAspect="1"/>
+          </p:cNvPicPr>
+          <p:nvPr/>
+        </p:nvPicPr>
+        <p:blipFill>
+          <a:blip r:embed="rId2"/>
+          <a:stretch>
+            <a:fillRect/>
+          </a:stretch>
+        </p:blipFill>
+        <p:spPr>
+          <a:xfrm>
+            <a:off x="266190" y="175846"/>
+            <a:ext cx="5375851" cy="4705051"/>
+          </a:xfrm>
+          <a:prstGeom prst="rect">
+            <a:avLst/>
+          </a:prstGeom>
+        </p:spPr>
+      </p:pic>
+      <p:sp>
+        <p:nvSpPr>
+          <p:cNvPr id="25" name="TextBox 24">
+            <a:extLst>
+              <a:ext uri="{FF2B5EF4-FFF2-40B4-BE49-F238E27FC236}">
+                <a16:creationId xmlns:a16="http://schemas.microsoft.com/office/drawing/2014/main" id="{2DA67009-1F65-4642-8DC8-E94C4F4B4416}"/>
+              </a:ext>
+            </a:extLst>
+          </p:cNvPr>
+          <p:cNvSpPr txBox="1"/>
+          <p:nvPr/>
+        </p:nvSpPr>
+        <p:spPr>
+          <a:xfrm>
+            <a:off x="6096000" y="632299"/>
+            <a:ext cx="3369013" cy="369332"/>
+          </a:xfrm>
+          <a:prstGeom prst="rect">
+            <a:avLst/>
+          </a:prstGeom>
+          <a:noFill/>
+        </p:spPr>
+        <p:txBody>
+          <a:bodyPr wrap="square" rtlCol="0">
+            <a:spAutoFit/>
+          </a:bodyPr>
+          <a:lstStyle/>
+          <a:p>
+            <a:r>
+              <a:rPr lang="en-US" altLang="ko-KR" dirty="0"/>
+              <a:t>1. Front</a:t>
+            </a:r>
+            <a:r>
+              <a:rPr lang="ko-KR" altLang="en-US" dirty="0"/>
+              <a:t>에 단어  추가 </a:t>
+            </a:r>
+            <a:r>
+              <a:rPr lang="en-US" altLang="ko-KR" dirty="0"/>
+              <a:t>+ </a:t>
+            </a:r>
+            <a:r>
+              <a:rPr lang="ko-KR" altLang="en-US" dirty="0"/>
+              <a:t>사운드 추가</a:t>
+            </a:r>
+          </a:p>
+        </p:txBody>
+      </p:sp>
+      <p:sp>
+        <p:nvSpPr>
+          <p:cNvPr id="31" name="TextBox 30">
+            <a:extLst>
+              <a:ext uri="{FF2B5EF4-FFF2-40B4-BE49-F238E27FC236}">
+                <a16:creationId xmlns:a16="http://schemas.microsoft.com/office/drawing/2014/main" id="{B3E4D7B3-6F85-42A7-96C9-F1E2B084AE8D}"/>
+              </a:ext>
+            </a:extLst>
+          </p:cNvPr>
+          <p:cNvSpPr txBox="1"/>
+          <p:nvPr/>
+        </p:nvSpPr>
+        <p:spPr>
+          <a:xfrm>
+            <a:off x="6118701" y="1115439"/>
+            <a:ext cx="3369013" cy="369332"/>
+          </a:xfrm>
+          <a:prstGeom prst="rect">
+            <a:avLst/>
+          </a:prstGeom>
+          <a:noFill/>
+        </p:spPr>
+        <p:txBody>
+          <a:bodyPr wrap="square" rtlCol="0">
+            <a:spAutoFit/>
+          </a:bodyPr>
+          <a:lstStyle/>
+          <a:p>
+            <a:r>
+              <a:rPr lang="en-US" altLang="ko-KR" dirty="0"/>
+              <a:t>2. Back</a:t>
+            </a:r>
+            <a:r>
+              <a:rPr lang="ko-KR" altLang="en-US" dirty="0"/>
+              <a:t>에 문장 추가 </a:t>
+            </a:r>
+            <a:r>
+              <a:rPr lang="en-US" altLang="ko-KR" dirty="0"/>
+              <a:t>+ </a:t>
+            </a:r>
+            <a:r>
+              <a:rPr lang="ko-KR" altLang="en-US" dirty="0"/>
+              <a:t>사운드 추가</a:t>
+            </a:r>
+          </a:p>
+        </p:txBody>
+      </p:sp>
+    </p:spTree>
+    <p:extLst>
+      <p:ext uri="{BB962C8B-B14F-4D97-AF65-F5344CB8AC3E}">
+        <p14:creationId xmlns:p14="http://schemas.microsoft.com/office/powerpoint/2010/main" val="1936051737"/>
       </p:ext>
     </p:extLst>
   </p:cSld>
